--- a/Lectures/Lecture 2.pptx
+++ b/Lectures/Lecture 2.pptx
@@ -20167,8 +20167,8 @@
           <a:chExt cx="0" cy="0"/>
         </a:xfrm>
       </p:grpSpPr>
-      <mc:AlternateContent xmlns:mc="http://schemas.openxmlformats.org/markup-compatibility/2006" xmlns:a14="http://schemas.microsoft.com/office/drawing/2010/main">
-        <mc:Choice Requires="a14">
+      <mc:AlternateContent xmlns:mc="http://schemas.openxmlformats.org/markup-compatibility/2006">
+        <mc:Choice xmlns:a14="http://schemas.microsoft.com/office/drawing/2010/main" Requires="a14">
           <p:sp>
             <p:nvSpPr>
               <p:cNvPr id="2" name="Title 1">
@@ -20187,7 +20187,7 @@
             </p:nvSpPr>
             <p:spPr>
               <a:solidFill>
-                <a:schemeClr val="accent2"/>
+                <a:schemeClr val="bg1"/>
               </a:solidFill>
             </p:spPr>
             <p:txBody>
@@ -20314,7 +20314,7 @@
             </p:txBody>
           </p:sp>
         </mc:Choice>
-        <mc:Fallback xmlns="">
+        <mc:Fallback>
           <p:sp>
             <p:nvSpPr>
               <p:cNvPr id="2" name="Title 1">
@@ -30965,8 +30965,8 @@
           </a:p>
         </p:txBody>
       </p:sp>
-      <mc:AlternateContent xmlns:mc="http://schemas.openxmlformats.org/markup-compatibility/2006" xmlns:a14="http://schemas.microsoft.com/office/drawing/2010/main">
-        <mc:Choice Requires="a14">
+      <mc:AlternateContent xmlns:mc="http://schemas.openxmlformats.org/markup-compatibility/2006">
+        <mc:Choice xmlns:a14="http://schemas.microsoft.com/office/drawing/2010/main" Requires="a14">
           <p:sp>
             <p:nvSpPr>
               <p:cNvPr id="3" name="Content Placeholder 2">
@@ -30985,7 +30985,9 @@
             </p:nvSpPr>
             <p:spPr/>
             <p:txBody>
-              <a:bodyPr/>
+              <a:bodyPr>
+                <a:normAutofit lnSpcReduction="10000"/>
+              </a:bodyPr>
               <a:lstStyle/>
               <a:p>
                 <a:pPr marL="0" indent="0">
@@ -31258,7 +31260,7 @@
                       <a:schemeClr val="accent1"/>
                     </a:solidFill>
                   </a:rPr>
-                  <a:t>The algorithm terminates all the recursive calls at the leaves are done.</a:t>
+                  <a:t>When the algorithm terminates, all the recursive calls at the leaves are done.</a:t>
                 </a:r>
               </a:p>
               <a:p>
@@ -31720,7 +31722,7 @@
             </p:txBody>
           </p:sp>
         </mc:Choice>
-        <mc:Fallback xmlns="">
+        <mc:Fallback>
           <p:sp>
             <p:nvSpPr>
               <p:cNvPr id="3" name="Content Placeholder 2">
@@ -31741,7 +31743,7 @@
               <a:blipFill>
                 <a:blip r:embed="rId2"/>
                 <a:stretch>
-                  <a:fillRect l="-1217" t="-2241"/>
+                  <a:fillRect l="-1217" t="-3081" r="-290"/>
                 </a:stretch>
               </a:blipFill>
             </p:spPr>

--- a/Lectures/Lecture 2.pptx
+++ b/Lectures/Lecture 2.pptx
@@ -20167,8 +20167,8 @@
           <a:chExt cx="0" cy="0"/>
         </a:xfrm>
       </p:grpSpPr>
-      <mc:AlternateContent xmlns:mc="http://schemas.openxmlformats.org/markup-compatibility/2006">
-        <mc:Choice xmlns:a14="http://schemas.microsoft.com/office/drawing/2010/main" Requires="a14">
+      <mc:AlternateContent xmlns:mc="http://schemas.openxmlformats.org/markup-compatibility/2006" xmlns:a14="http://schemas.microsoft.com/office/drawing/2010/main">
+        <mc:Choice Requires="a14">
           <p:sp>
             <p:nvSpPr>
               <p:cNvPr id="2" name="Title 1">
@@ -20314,7 +20314,7 @@
             </p:txBody>
           </p:sp>
         </mc:Choice>
-        <mc:Fallback>
+        <mc:Fallback xmlns="">
           <p:sp>
             <p:nvSpPr>
               <p:cNvPr id="2" name="Title 1">
@@ -22979,41 +22979,6 @@
           </a:p>
         </p:txBody>
       </p:sp>
-      <p:pic>
-        <p:nvPicPr>
-          <p:cNvPr id="12" name="Content Placeholder 11">
-            <a:extLst>
-              <a:ext uri="{FF2B5EF4-FFF2-40B4-BE49-F238E27FC236}">
-                <a16:creationId xmlns:a16="http://schemas.microsoft.com/office/drawing/2014/main" id="{E30B4F2B-404C-4194-A05D-4759426B500E}"/>
-              </a:ext>
-            </a:extLst>
-          </p:cNvPr>
-          <p:cNvPicPr>
-            <a:picLocks noGrp="1" noChangeAspect="1"/>
-          </p:cNvPicPr>
-          <p:nvPr>
-            <p:ph idx="1"/>
-          </p:nvPr>
-        </p:nvPicPr>
-        <p:blipFill>
-          <a:blip r:embed="rId2">
-            <a:extLst>
-              <a:ext uri="{28A0092B-C50C-407E-A947-70E740481C1C}">
-                <a14:useLocalDpi xmlns:a14="http://schemas.microsoft.com/office/drawing/2010/main" val="0"/>
-              </a:ext>
-            </a:extLst>
-          </a:blip>
-          <a:stretch>
-            <a:fillRect/>
-          </a:stretch>
-        </p:blipFill>
-        <p:spPr>
-          <a:xfrm>
-            <a:off x="2001513" y="1859472"/>
-            <a:ext cx="8188974" cy="2271599"/>
-          </a:xfrm>
-        </p:spPr>
-      </p:pic>
       <mc:AlternateContent xmlns:mc="http://schemas.openxmlformats.org/markup-compatibility/2006" xmlns:a14="http://schemas.microsoft.com/office/drawing/2010/main">
         <mc:Choice Requires="a14">
           <p:sp>
@@ -23342,6 +23307,41 @@
           </p:sp>
         </mc:Fallback>
       </mc:AlternateContent>
+      <p:pic>
+        <p:nvPicPr>
+          <p:cNvPr id="6" name="Content Placeholder 5">
+            <a:extLst>
+              <a:ext uri="{FF2B5EF4-FFF2-40B4-BE49-F238E27FC236}">
+                <a16:creationId xmlns:a16="http://schemas.microsoft.com/office/drawing/2014/main" id="{AED15B7F-AD70-4632-9748-CCE9745D0B7C}"/>
+              </a:ext>
+            </a:extLst>
+          </p:cNvPr>
+          <p:cNvPicPr>
+            <a:picLocks noGrp="1" noChangeAspect="1"/>
+          </p:cNvPicPr>
+          <p:nvPr>
+            <p:ph idx="1"/>
+          </p:nvPr>
+        </p:nvPicPr>
+        <p:blipFill>
+          <a:blip r:embed="rId4">
+            <a:extLst>
+              <a:ext uri="{28A0092B-C50C-407E-A947-70E740481C1C}">
+                <a14:useLocalDpi xmlns:a14="http://schemas.microsoft.com/office/drawing/2010/main" val="0"/>
+              </a:ext>
+            </a:extLst>
+          </a:blip>
+          <a:stretch>
+            <a:fillRect/>
+          </a:stretch>
+        </p:blipFill>
+        <p:spPr>
+          <a:xfrm>
+            <a:off x="2374804" y="1976042"/>
+            <a:ext cx="6828223" cy="1929207"/>
+          </a:xfrm>
+        </p:spPr>
+      </p:pic>
     </p:spTree>
     <p:extLst>
       <p:ext uri="{BB962C8B-B14F-4D97-AF65-F5344CB8AC3E}">
@@ -23990,8 +23990,8 @@
           </a:p>
         </p:txBody>
       </p:sp>
-      <mc:AlternateContent xmlns:mc="http://schemas.openxmlformats.org/markup-compatibility/2006" xmlns:a14="http://schemas.microsoft.com/office/drawing/2010/main">
-        <mc:Choice Requires="a14">
+      <mc:AlternateContent xmlns:mc="http://schemas.openxmlformats.org/markup-compatibility/2006">
+        <mc:Choice xmlns:a14="http://schemas.microsoft.com/office/drawing/2010/main" Requires="a14">
           <p:sp>
             <p:nvSpPr>
               <p:cNvPr id="13" name="TextBox 12">
@@ -24034,7 +24034,7 @@
                       <a:srgbClr val="C00000"/>
                     </a:solidFill>
                   </a:rPr>
-                  <a:t>backward substitution</a:t>
+                  <a:t>repeated substitutions</a:t>
                 </a:r>
                 <a:r>
                   <a:rPr lang="en-US" sz="2800" dirty="0">
@@ -25311,6 +25311,15 @@
                               </a:rPr>
                               <m:t>𝑘</m:t>
                             </m:r>
+                            <m:r>
+                              <a:rPr lang="en-US" sz="2000" b="0" i="1" smtClean="0">
+                                <a:solidFill>
+                                  <a:schemeClr val="tx1"/>
+                                </a:solidFill>
+                                <a:latin typeface="Cambria Math" panose="02040503050406030204" pitchFamily="18" charset="0"/>
+                              </a:rPr>
+                              <m:t>−1</m:t>
+                            </m:r>
                           </m:e>
                         </m:d>
                         <m:r>
@@ -25512,7 +25521,7 @@
             </p:txBody>
           </p:sp>
         </mc:Choice>
-        <mc:Fallback xmlns="">
+        <mc:Fallback>
           <p:sp>
             <p:nvSpPr>
               <p:cNvPr id="13" name="TextBox 12">
@@ -25538,7 +25547,7 @@
               <a:blipFill>
                 <a:blip r:embed="rId2"/>
                 <a:stretch>
-                  <a:fillRect l="-1115" t="-685" r="-335"/>
+                  <a:fillRect l="-1115" t="-685" r="-446"/>
                 </a:stretch>
               </a:blipFill>
             </p:spPr>
@@ -26398,8 +26407,8 @@
           </a:p>
         </p:txBody>
       </p:sp>
-      <mc:AlternateContent xmlns:mc="http://schemas.openxmlformats.org/markup-compatibility/2006" xmlns:a14="http://schemas.microsoft.com/office/drawing/2010/main">
-        <mc:Choice Requires="a14">
+      <mc:AlternateContent xmlns:mc="http://schemas.openxmlformats.org/markup-compatibility/2006">
+        <mc:Choice xmlns:a14="http://schemas.microsoft.com/office/drawing/2010/main" Requires="a14">
           <p:sp>
             <p:nvSpPr>
               <p:cNvPr id="13" name="TextBox 12">
@@ -26545,6 +26554,15 @@
                           </a:rPr>
                           <m:t>𝑘</m:t>
                         </m:r>
+                        <m:r>
+                          <a:rPr lang="en-US" sz="2800" b="0" i="1" smtClean="0">
+                            <a:solidFill>
+                              <a:schemeClr val="tx1"/>
+                            </a:solidFill>
+                            <a:latin typeface="Cambria Math" panose="02040503050406030204" pitchFamily="18" charset="0"/>
+                          </a:rPr>
+                          <m:t>−1</m:t>
+                        </m:r>
                       </m:e>
                     </m:d>
                     <m:r>
@@ -26563,7 +26581,25 @@
                         </a:solidFill>
                         <a:latin typeface="Cambria Math" panose="02040503050406030204" pitchFamily="18" charset="0"/>
                       </a:rPr>
+                      <m:t>(</m:t>
+                    </m:r>
+                    <m:r>
+                      <a:rPr lang="en-US" sz="2800" b="0" i="1" smtClean="0">
+                        <a:solidFill>
+                          <a:schemeClr val="tx1"/>
+                        </a:solidFill>
+                        <a:latin typeface="Cambria Math" panose="02040503050406030204" pitchFamily="18" charset="0"/>
+                      </a:rPr>
                       <m:t>𝑘</m:t>
+                    </m:r>
+                    <m:r>
+                      <a:rPr lang="en-US" sz="2800" b="0" i="1" smtClean="0">
+                        <a:solidFill>
+                          <a:schemeClr val="tx1"/>
+                        </a:solidFill>
+                        <a:latin typeface="Cambria Math" panose="02040503050406030204" pitchFamily="18" charset="0"/>
+                      </a:rPr>
+                      <m:t>+1)</m:t>
                     </m:r>
                     <m:sSub>
                       <m:sSubPr>
@@ -26655,6 +26691,15 @@
                         </a:solidFill>
                         <a:latin typeface="Cambria Math" panose="02040503050406030204" pitchFamily="18" charset="0"/>
                       </a:rPr>
+                      <m:t>−1</m:t>
+                    </m:r>
+                    <m:r>
+                      <a:rPr lang="en-US" sz="2800" b="0" i="1" smtClean="0">
+                        <a:solidFill>
+                          <a:schemeClr val="tx1"/>
+                        </a:solidFill>
+                        <a:latin typeface="Cambria Math" panose="02040503050406030204" pitchFamily="18" charset="0"/>
+                      </a:rPr>
                       <m:t>=0</m:t>
                     </m:r>
                   </m:oMath>
@@ -26712,6 +26757,15 @@
                         <a:latin typeface="Cambria Math" panose="02040503050406030204" pitchFamily="18" charset="0"/>
                       </a:rPr>
                       <m:t>𝑘</m:t>
+                    </m:r>
+                    <m:r>
+                      <a:rPr lang="en-US" sz="2800" b="0" i="1" smtClean="0">
+                        <a:solidFill>
+                          <a:schemeClr val="tx1"/>
+                        </a:solidFill>
+                        <a:latin typeface="Cambria Math" panose="02040503050406030204" pitchFamily="18" charset="0"/>
+                      </a:rPr>
+                      <m:t>+1</m:t>
                     </m:r>
                   </m:oMath>
                 </a14:m>
@@ -27179,13 +27233,6 @@
                     </m:r>
                   </m:oMath>
                 </a14:m>
-                <a:endParaRPr lang="en-US" sz="2800" b="1" i="1" dirty="0">
-                  <a:solidFill>
-                    <a:schemeClr val="accent1"/>
-                  </a:solidFill>
-                </a:endParaRPr>
-              </a:p>
-              <a:p>
                 <a:endParaRPr lang="en-US" sz="2800" i="1" dirty="0">
                   <a:solidFill>
                     <a:schemeClr val="accent1"/>
@@ -27278,7 +27325,7 @@
             </p:txBody>
           </p:sp>
         </mc:Choice>
-        <mc:Fallback xmlns="">
+        <mc:Fallback>
           <p:sp>
             <p:nvSpPr>
               <p:cNvPr id="13" name="TextBox 12">
@@ -27385,8 +27432,8 @@
           </a:p>
         </p:txBody>
       </p:sp>
-      <mc:AlternateContent xmlns:mc="http://schemas.openxmlformats.org/markup-compatibility/2006" xmlns:a14="http://schemas.microsoft.com/office/drawing/2010/main">
-        <mc:Choice Requires="a14">
+      <mc:AlternateContent xmlns:mc="http://schemas.openxmlformats.org/markup-compatibility/2006">
+        <mc:Choice xmlns:a14="http://schemas.microsoft.com/office/drawing/2010/main" Requires="a14">
           <p:sp>
             <p:nvSpPr>
               <p:cNvPr id="13" name="TextBox 12">
@@ -27551,6 +27598,16 @@
                         <a:latin typeface="Cambria Math" panose="02040503050406030204" pitchFamily="18" charset="0"/>
                       </a:rPr>
                       <m:t>=2</m:t>
+                    </m:r>
+                    <m:r>
+                      <a:rPr lang="en-US" sz="2800" b="0" i="1" smtClean="0">
+                        <a:solidFill>
+                          <a:schemeClr val="tx1"/>
+                        </a:solidFill>
+                        <a:latin typeface="Cambria Math" panose="02040503050406030204" pitchFamily="18" charset="0"/>
+                        <a:ea typeface="Cambria Math" panose="02040503050406030204" pitchFamily="18" charset="0"/>
+                      </a:rPr>
+                      <m:t>∙</m:t>
                     </m:r>
                     <m:r>
                       <a:rPr lang="en-US" sz="2800" b="0" i="1" smtClean="0">
@@ -27658,7 +27715,7 @@
                       <a:srgbClr val="FF0000"/>
                     </a:solidFill>
                   </a:rPr>
-                  <a:t>backward substitution </a:t>
+                  <a:t>repeated substitution </a:t>
                 </a:r>
                 <a:r>
                   <a:rPr lang="en-US" sz="2800" dirty="0">
@@ -27720,7 +27777,7 @@
             </p:txBody>
           </p:sp>
         </mc:Choice>
-        <mc:Fallback xmlns="">
+        <mc:Fallback>
           <p:sp>
             <p:nvSpPr>
               <p:cNvPr id="13" name="TextBox 12">
@@ -30965,8 +31022,8 @@
           </a:p>
         </p:txBody>
       </p:sp>
-      <mc:AlternateContent xmlns:mc="http://schemas.openxmlformats.org/markup-compatibility/2006">
-        <mc:Choice xmlns:a14="http://schemas.microsoft.com/office/drawing/2010/main" Requires="a14">
+      <mc:AlternateContent xmlns:mc="http://schemas.openxmlformats.org/markup-compatibility/2006" xmlns:a14="http://schemas.microsoft.com/office/drawing/2010/main">
+        <mc:Choice Requires="a14">
           <p:sp>
             <p:nvSpPr>
               <p:cNvPr id="3" name="Content Placeholder 2">
@@ -31722,7 +31779,7 @@
             </p:txBody>
           </p:sp>
         </mc:Choice>
-        <mc:Fallback>
+        <mc:Fallback xmlns="">
           <p:sp>
             <p:nvSpPr>
               <p:cNvPr id="3" name="Content Placeholder 2">

--- a/Lectures/Lecture 2.pptx
+++ b/Lectures/Lecture 2.pptx
@@ -3705,8 +3705,8 @@
           </p:sp>
         </mc:Fallback>
       </mc:AlternateContent>
-      <mc:AlternateContent xmlns:mc="http://schemas.openxmlformats.org/markup-compatibility/2006" xmlns:a14="http://schemas.microsoft.com/office/drawing/2010/main">
-        <mc:Choice Requires="a14">
+      <mc:AlternateContent xmlns:mc="http://schemas.openxmlformats.org/markup-compatibility/2006">
+        <mc:Choice xmlns:a14="http://schemas.microsoft.com/office/drawing/2010/main" Requires="a14">
           <p:sp>
             <p:nvSpPr>
               <p:cNvPr id="3" name="Content Placeholder 2">
@@ -4124,6 +4124,12 @@
                 <a14:m>
                   <m:oMath xmlns:m="http://schemas.openxmlformats.org/officeDocument/2006/math">
                     <m:r>
+                      <a:rPr lang="en-US" b="0" i="0" dirty="0" smtClean="0">
+                        <a:latin typeface="Cambria Math" panose="02040503050406030204" pitchFamily="18" charset="0"/>
+                      </a:rPr>
+                      <m:t> </m:t>
+                    </m:r>
+                    <m:r>
                       <a:rPr lang="en-US" i="1" dirty="0">
                         <a:latin typeface="Cambria Math" panose="02040503050406030204" pitchFamily="18" charset="0"/>
                       </a:rPr>
@@ -4149,7 +4155,7 @@
             </p:txBody>
           </p:sp>
         </mc:Choice>
-        <mc:Fallback xmlns="">
+        <mc:Fallback>
           <p:sp>
             <p:nvSpPr>
               <p:cNvPr id="3" name="Content Placeholder 2">
@@ -15808,8 +15814,8 @@
           </p:sp>
         </mc:Fallback>
       </mc:AlternateContent>
-      <mc:AlternateContent xmlns:mc="http://schemas.openxmlformats.org/markup-compatibility/2006" xmlns:a14="http://schemas.microsoft.com/office/drawing/2010/main">
-        <mc:Choice Requires="a14">
+      <mc:AlternateContent xmlns:mc="http://schemas.openxmlformats.org/markup-compatibility/2006">
+        <mc:Choice xmlns:a14="http://schemas.microsoft.com/office/drawing/2010/main" Requires="a14">
           <p:sp>
             <p:nvSpPr>
               <p:cNvPr id="3" name="Content Placeholder 2">
@@ -16006,6 +16012,15 @@
                         </a:solidFill>
                         <a:latin typeface="Cambria Math" panose="02040503050406030204" pitchFamily="18" charset="0"/>
                       </a:rPr>
+                      <m:t>≥2</m:t>
+                    </m:r>
+                    <m:r>
+                      <a:rPr lang="en-US" b="0" i="1" smtClean="0">
+                        <a:solidFill>
+                          <a:schemeClr val="tx1"/>
+                        </a:solidFill>
+                        <a:latin typeface="Cambria Math" panose="02040503050406030204" pitchFamily="18" charset="0"/>
+                      </a:rPr>
                       <m:t> </m:t>
                     </m:r>
                   </m:oMath>
@@ -16082,7 +16097,7 @@
             </p:txBody>
           </p:sp>
         </mc:Choice>
-        <mc:Fallback xmlns="">
+        <mc:Fallback>
           <p:sp>
             <p:nvSpPr>
               <p:cNvPr id="3" name="Content Placeholder 2">
@@ -16838,8 +16853,8 @@
           </p:sp>
         </mc:Fallback>
       </mc:AlternateContent>
-      <mc:AlternateContent xmlns:mc="http://schemas.openxmlformats.org/markup-compatibility/2006" xmlns:a14="http://schemas.microsoft.com/office/drawing/2010/main">
-        <mc:Choice Requires="a14">
+      <mc:AlternateContent xmlns:mc="http://schemas.openxmlformats.org/markup-compatibility/2006">
+        <mc:Choice xmlns:a14="http://schemas.microsoft.com/office/drawing/2010/main" Requires="a14">
           <p:sp>
             <p:nvSpPr>
               <p:cNvPr id="3" name="Content Placeholder 2">
@@ -16956,6 +16971,24 @@
                         </a:solidFill>
                         <a:latin typeface="Cambria Math" panose="02040503050406030204" pitchFamily="18" charset="0"/>
                       </a:rPr>
+                      <m:t>𝑛</m:t>
+                    </m:r>
+                    <m:r>
+                      <a:rPr lang="en-US" b="0" i="1" smtClean="0">
+                        <a:solidFill>
+                          <a:schemeClr val="tx1"/>
+                        </a:solidFill>
+                        <a:latin typeface="Cambria Math" panose="02040503050406030204" pitchFamily="18" charset="0"/>
+                      </a:rPr>
+                      <m:t>≤</m:t>
+                    </m:r>
+                    <m:r>
+                      <a:rPr lang="en-US" b="0" i="1" smtClean="0">
+                        <a:solidFill>
+                          <a:schemeClr val="tx1"/>
+                        </a:solidFill>
+                        <a:latin typeface="Cambria Math" panose="02040503050406030204" pitchFamily="18" charset="0"/>
+                      </a:rPr>
                       <m:t>𝑘</m:t>
                     </m:r>
                     <m:r>
@@ -17184,7 +17217,7 @@
             </p:txBody>
           </p:sp>
         </mc:Choice>
-        <mc:Fallback xmlns="">
+        <mc:Fallback>
           <p:sp>
             <p:nvSpPr>
               <p:cNvPr id="3" name="Content Placeholder 2">
@@ -23990,8 +24023,8 @@
           </a:p>
         </p:txBody>
       </p:sp>
-      <mc:AlternateContent xmlns:mc="http://schemas.openxmlformats.org/markup-compatibility/2006">
-        <mc:Choice xmlns:a14="http://schemas.microsoft.com/office/drawing/2010/main" Requires="a14">
+      <mc:AlternateContent xmlns:mc="http://schemas.openxmlformats.org/markup-compatibility/2006" xmlns:a14="http://schemas.microsoft.com/office/drawing/2010/main">
+        <mc:Choice Requires="a14">
           <p:sp>
             <p:nvSpPr>
               <p:cNvPr id="13" name="TextBox 12">
@@ -25521,7 +25554,7 @@
             </p:txBody>
           </p:sp>
         </mc:Choice>
-        <mc:Fallback>
+        <mc:Fallback xmlns="">
           <p:sp>
             <p:nvSpPr>
               <p:cNvPr id="13" name="TextBox 12">
@@ -26407,8 +26440,8 @@
           </a:p>
         </p:txBody>
       </p:sp>
-      <mc:AlternateContent xmlns:mc="http://schemas.openxmlformats.org/markup-compatibility/2006">
-        <mc:Choice xmlns:a14="http://schemas.microsoft.com/office/drawing/2010/main" Requires="a14">
+      <mc:AlternateContent xmlns:mc="http://schemas.openxmlformats.org/markup-compatibility/2006" xmlns:a14="http://schemas.microsoft.com/office/drawing/2010/main">
+        <mc:Choice Requires="a14">
           <p:sp>
             <p:nvSpPr>
               <p:cNvPr id="13" name="TextBox 12">
@@ -26572,16 +26605,7 @@
                         </a:solidFill>
                         <a:latin typeface="Cambria Math" panose="02040503050406030204" pitchFamily="18" charset="0"/>
                       </a:rPr>
-                      <m:t>+</m:t>
-                    </m:r>
-                    <m:r>
-                      <a:rPr lang="en-US" sz="2800" b="0" i="1" smtClean="0">
-                        <a:solidFill>
-                          <a:schemeClr val="tx1"/>
-                        </a:solidFill>
-                        <a:latin typeface="Cambria Math" panose="02040503050406030204" pitchFamily="18" charset="0"/>
-                      </a:rPr>
-                      <m:t>(</m:t>
+                      <m:t>+(</m:t>
                     </m:r>
                     <m:r>
                       <a:rPr lang="en-US" sz="2800" b="0" i="1" smtClean="0">
@@ -26691,16 +26715,7 @@
                         </a:solidFill>
                         <a:latin typeface="Cambria Math" panose="02040503050406030204" pitchFamily="18" charset="0"/>
                       </a:rPr>
-                      <m:t>−1</m:t>
-                    </m:r>
-                    <m:r>
-                      <a:rPr lang="en-US" sz="2800" b="0" i="1" smtClean="0">
-                        <a:solidFill>
-                          <a:schemeClr val="tx1"/>
-                        </a:solidFill>
-                        <a:latin typeface="Cambria Math" panose="02040503050406030204" pitchFamily="18" charset="0"/>
-                      </a:rPr>
-                      <m:t>=0</m:t>
+                      <m:t>−1=0</m:t>
                     </m:r>
                   </m:oMath>
                 </a14:m>
@@ -27325,7 +27340,7 @@
             </p:txBody>
           </p:sp>
         </mc:Choice>
-        <mc:Fallback>
+        <mc:Fallback xmlns="">
           <p:sp>
             <p:nvSpPr>
               <p:cNvPr id="13" name="TextBox 12">
@@ -27432,8 +27447,8 @@
           </a:p>
         </p:txBody>
       </p:sp>
-      <mc:AlternateContent xmlns:mc="http://schemas.openxmlformats.org/markup-compatibility/2006">
-        <mc:Choice xmlns:a14="http://schemas.microsoft.com/office/drawing/2010/main" Requires="a14">
+      <mc:AlternateContent xmlns:mc="http://schemas.openxmlformats.org/markup-compatibility/2006" xmlns:a14="http://schemas.microsoft.com/office/drawing/2010/main">
+        <mc:Choice Requires="a14">
           <p:sp>
             <p:nvSpPr>
               <p:cNvPr id="13" name="TextBox 12">
@@ -27777,7 +27792,7 @@
             </p:txBody>
           </p:sp>
         </mc:Choice>
-        <mc:Fallback>
+        <mc:Fallback xmlns="">
           <p:sp>
             <p:nvSpPr>
               <p:cNvPr id="13" name="TextBox 12">
@@ -34355,8 +34370,8 @@
           </a:p>
         </p:txBody>
       </p:sp>
-      <mc:AlternateContent xmlns:mc="http://schemas.openxmlformats.org/markup-compatibility/2006" xmlns:a14="http://schemas.microsoft.com/office/drawing/2010/main">
-        <mc:Choice Requires="a14">
+      <mc:AlternateContent xmlns:mc="http://schemas.openxmlformats.org/markup-compatibility/2006">
+        <mc:Choice xmlns:a14="http://schemas.microsoft.com/office/drawing/2010/main" Requires="a14">
           <p:sp>
             <p:nvSpPr>
               <p:cNvPr id="3" name="Content Placeholder 2">
@@ -34560,10 +34575,68 @@
                           <a:rPr lang="en-US" sz="1800" b="0" i="1" smtClean="0">
                             <a:latin typeface="Cambria Math" panose="02040503050406030204" pitchFamily="18" charset="0"/>
                           </a:rPr>
-                          <m:t>𝑘</m:t>
+                          <m:t>𝑛</m:t>
                         </m:r>
                       </m:e>
                     </m:d>
+                  </m:oMath>
+                </a14:m>
+                <a:r>
+                  <a:rPr lang="en-US" sz="1800" dirty="0">
+                    <a:solidFill>
+                      <a:schemeClr val="accent1"/>
+                    </a:solidFill>
+                  </a:rPr>
+                  <a:t> for </a:t>
+                </a:r>
+                <a14:m>
+                  <m:oMath xmlns:m="http://schemas.openxmlformats.org/officeDocument/2006/math">
+                    <m:r>
+                      <a:rPr lang="en-US" sz="1800" i="1">
+                        <a:latin typeface="Cambria Math" panose="02040503050406030204" pitchFamily="18" charset="0"/>
+                        <a:ea typeface="Cambria Math" panose="02040503050406030204" pitchFamily="18" charset="0"/>
+                      </a:rPr>
+                      <m:t>∀</m:t>
+                    </m:r>
+                    <m:r>
+                      <a:rPr lang="en-US" sz="1800" i="1">
+                        <a:latin typeface="Cambria Math" panose="02040503050406030204" pitchFamily="18" charset="0"/>
+                        <a:ea typeface="Cambria Math" panose="02040503050406030204" pitchFamily="18" charset="0"/>
+                      </a:rPr>
+                      <m:t>𝑛</m:t>
+                    </m:r>
+                    <m:r>
+                      <a:rPr lang="en-US" sz="1800" i="1">
+                        <a:latin typeface="Cambria Math" panose="02040503050406030204" pitchFamily="18" charset="0"/>
+                        <a:ea typeface="Cambria Math" panose="02040503050406030204" pitchFamily="18" charset="0"/>
+                      </a:rPr>
+                      <m:t>≥</m:t>
+                    </m:r>
+                    <m:sSub>
+                      <m:sSubPr>
+                        <m:ctrlPr>
+                          <a:rPr lang="en-US" sz="1800" i="1">
+                            <a:latin typeface="Cambria Math" panose="02040503050406030204" pitchFamily="18" charset="0"/>
+                          </a:rPr>
+                        </m:ctrlPr>
+                      </m:sSubPr>
+                      <m:e>
+                        <m:r>
+                          <a:rPr lang="en-US" sz="1800" i="1">
+                            <a:latin typeface="Cambria Math" panose="02040503050406030204" pitchFamily="18" charset="0"/>
+                          </a:rPr>
+                          <m:t>𝑛</m:t>
+                        </m:r>
+                      </m:e>
+                      <m:sub>
+                        <m:r>
+                          <a:rPr lang="en-US" sz="1800" i="1">
+                            <a:latin typeface="Cambria Math" panose="02040503050406030204" pitchFamily="18" charset="0"/>
+                          </a:rPr>
+                          <m:t>0</m:t>
+                        </m:r>
+                      </m:sub>
+                    </m:sSub>
                   </m:oMath>
                 </a14:m>
                 <a:r>
@@ -34996,7 +35069,7 @@
             </p:txBody>
           </p:sp>
         </mc:Choice>
-        <mc:Fallback xmlns="">
+        <mc:Fallback>
           <p:sp>
             <p:nvSpPr>
               <p:cNvPr id="3" name="Content Placeholder 2">

--- a/Lectures/Lecture 2.pptx
+++ b/Lectures/Lecture 2.pptx
@@ -16012,16 +16012,7 @@
                         </a:solidFill>
                         <a:latin typeface="Cambria Math" panose="02040503050406030204" pitchFamily="18" charset="0"/>
                       </a:rPr>
-                      <m:t>≥2</m:t>
-                    </m:r>
-                    <m:r>
-                      <a:rPr lang="en-US" b="0" i="1" smtClean="0">
-                        <a:solidFill>
-                          <a:schemeClr val="tx1"/>
-                        </a:solidFill>
-                        <a:latin typeface="Cambria Math" panose="02040503050406030204" pitchFamily="18" charset="0"/>
-                      </a:rPr>
-                      <m:t> </m:t>
+                      <m:t>≥2 </m:t>
                     </m:r>
                   </m:oMath>
                 </a14:m>
@@ -21477,8 +21468,8 @@
           </p:sp>
         </mc:Fallback>
       </mc:AlternateContent>
-      <mc:AlternateContent xmlns:mc="http://schemas.openxmlformats.org/markup-compatibility/2006" xmlns:a14="http://schemas.microsoft.com/office/drawing/2010/main">
-        <mc:Choice Requires="a14">
+      <mc:AlternateContent xmlns:mc="http://schemas.openxmlformats.org/markup-compatibility/2006">
+        <mc:Choice xmlns:a14="http://schemas.microsoft.com/office/drawing/2010/main" Requires="a14">
           <p:sp>
             <p:nvSpPr>
               <p:cNvPr id="3" name="Content Placeholder 2">
@@ -21519,7 +21510,7 @@
                       <a:srgbClr val="C00000"/>
                     </a:solidFill>
                   </a:rPr>
-                  <a:t>FOUR bases cases </a:t>
+                  <a:t>FOUR base cases </a:t>
                 </a:r>
                 <a:r>
                   <a:rPr lang="en-US" dirty="0">
@@ -21849,7 +21840,7 @@
             </p:txBody>
           </p:sp>
         </mc:Choice>
-        <mc:Fallback xmlns="">
+        <mc:Fallback>
           <p:sp>
             <p:nvSpPr>
               <p:cNvPr id="3" name="Content Placeholder 2">

--- a/Lectures/Lecture 2.pptx
+++ b/Lectures/Lecture 2.pptx
@@ -3705,8 +3705,8 @@
           </p:sp>
         </mc:Fallback>
       </mc:AlternateContent>
-      <mc:AlternateContent xmlns:mc="http://schemas.openxmlformats.org/markup-compatibility/2006">
-        <mc:Choice xmlns:a14="http://schemas.microsoft.com/office/drawing/2010/main" Requires="a14">
+      <mc:AlternateContent xmlns:mc="http://schemas.openxmlformats.org/markup-compatibility/2006" xmlns:a14="http://schemas.microsoft.com/office/drawing/2010/main">
+        <mc:Choice Requires="a14">
           <p:sp>
             <p:nvSpPr>
               <p:cNvPr id="3" name="Content Placeholder 2">
@@ -4155,7 +4155,7 @@
             </p:txBody>
           </p:sp>
         </mc:Choice>
-        <mc:Fallback>
+        <mc:Fallback xmlns="">
           <p:sp>
             <p:nvSpPr>
               <p:cNvPr id="3" name="Content Placeholder 2">
@@ -8754,8 +8754,8 @@
           </p:sp>
         </mc:Fallback>
       </mc:AlternateContent>
-      <mc:AlternateContent xmlns:mc="http://schemas.openxmlformats.org/markup-compatibility/2006" xmlns:a14="http://schemas.microsoft.com/office/drawing/2010/main">
-        <mc:Choice Requires="a14">
+      <mc:AlternateContent xmlns:mc="http://schemas.openxmlformats.org/markup-compatibility/2006">
+        <mc:Choice xmlns:a14="http://schemas.microsoft.com/office/drawing/2010/main" Requires="a14">
           <p:sp>
             <p:nvSpPr>
               <p:cNvPr id="3" name="Content Placeholder 2">
@@ -9554,12 +9554,12 @@
                       <a:schemeClr val="accent1"/>
                     </a:solidFill>
                   </a:rPr>
-                  <a:t>		 	 (Adding both sides by </a:t>
+                  <a:t>		 	 (Adding </a:t>
                 </a:r>
                 <a14:m>
                   <m:oMath xmlns:m="http://schemas.openxmlformats.org/officeDocument/2006/math">
                     <m:r>
-                      <a:rPr lang="en-US" sz="1800" b="0" i="1" smtClean="0">
+                      <a:rPr lang="en-US" sz="1800" i="1">
                         <a:latin typeface="Cambria Math" panose="02040503050406030204" pitchFamily="18" charset="0"/>
                       </a:rPr>
                       <m:t>5</m:t>
@@ -9572,7 +9572,7 @@
                       <a:schemeClr val="accent1"/>
                     </a:solidFill>
                   </a:rPr>
-                  <a:t>)</a:t>
+                  <a:t> to both sides)</a:t>
                 </a:r>
               </a:p>
               <a:p>
@@ -9952,7 +9952,7 @@
             </p:txBody>
           </p:sp>
         </mc:Choice>
-        <mc:Fallback xmlns="">
+        <mc:Fallback>
           <p:sp>
             <p:nvSpPr>
               <p:cNvPr id="3" name="Content Placeholder 2">
@@ -15814,8 +15814,8 @@
           </p:sp>
         </mc:Fallback>
       </mc:AlternateContent>
-      <mc:AlternateContent xmlns:mc="http://schemas.openxmlformats.org/markup-compatibility/2006">
-        <mc:Choice xmlns:a14="http://schemas.microsoft.com/office/drawing/2010/main" Requires="a14">
+      <mc:AlternateContent xmlns:mc="http://schemas.openxmlformats.org/markup-compatibility/2006" xmlns:a14="http://schemas.microsoft.com/office/drawing/2010/main">
+        <mc:Choice Requires="a14">
           <p:sp>
             <p:nvSpPr>
               <p:cNvPr id="3" name="Content Placeholder 2">
@@ -16088,7 +16088,7 @@
             </p:txBody>
           </p:sp>
         </mc:Choice>
-        <mc:Fallback>
+        <mc:Fallback xmlns="">
           <p:sp>
             <p:nvSpPr>
               <p:cNvPr id="3" name="Content Placeholder 2">
@@ -16844,8 +16844,8 @@
           </p:sp>
         </mc:Fallback>
       </mc:AlternateContent>
-      <mc:AlternateContent xmlns:mc="http://schemas.openxmlformats.org/markup-compatibility/2006">
-        <mc:Choice xmlns:a14="http://schemas.microsoft.com/office/drawing/2010/main" Requires="a14">
+      <mc:AlternateContent xmlns:mc="http://schemas.openxmlformats.org/markup-compatibility/2006" xmlns:a14="http://schemas.microsoft.com/office/drawing/2010/main">
+        <mc:Choice Requires="a14">
           <p:sp>
             <p:nvSpPr>
               <p:cNvPr id="3" name="Content Placeholder 2">
@@ -17208,7 +17208,7 @@
             </p:txBody>
           </p:sp>
         </mc:Choice>
-        <mc:Fallback>
+        <mc:Fallback xmlns="">
           <p:sp>
             <p:nvSpPr>
               <p:cNvPr id="3" name="Content Placeholder 2">
@@ -21468,8 +21468,8 @@
           </p:sp>
         </mc:Fallback>
       </mc:AlternateContent>
-      <mc:AlternateContent xmlns:mc="http://schemas.openxmlformats.org/markup-compatibility/2006">
-        <mc:Choice xmlns:a14="http://schemas.microsoft.com/office/drawing/2010/main" Requires="a14">
+      <mc:AlternateContent xmlns:mc="http://schemas.openxmlformats.org/markup-compatibility/2006" xmlns:a14="http://schemas.microsoft.com/office/drawing/2010/main">
+        <mc:Choice Requires="a14">
           <p:sp>
             <p:nvSpPr>
               <p:cNvPr id="3" name="Content Placeholder 2">
@@ -21840,7 +21840,7 @@
             </p:txBody>
           </p:sp>
         </mc:Choice>
-        <mc:Fallback>
+        <mc:Fallback xmlns="">
           <p:sp>
             <p:nvSpPr>
               <p:cNvPr id="3" name="Content Placeholder 2">
@@ -34361,8 +34361,8 @@
           </a:p>
         </p:txBody>
       </p:sp>
-      <mc:AlternateContent xmlns:mc="http://schemas.openxmlformats.org/markup-compatibility/2006">
-        <mc:Choice xmlns:a14="http://schemas.microsoft.com/office/drawing/2010/main" Requires="a14">
+      <mc:AlternateContent xmlns:mc="http://schemas.openxmlformats.org/markup-compatibility/2006" xmlns:a14="http://schemas.microsoft.com/office/drawing/2010/main">
+        <mc:Choice Requires="a14">
           <p:sp>
             <p:nvSpPr>
               <p:cNvPr id="3" name="Content Placeholder 2">
@@ -35060,7 +35060,7 @@
             </p:txBody>
           </p:sp>
         </mc:Choice>
-        <mc:Fallback>
+        <mc:Fallback xmlns="">
           <p:sp>
             <p:nvSpPr>
               <p:cNvPr id="3" name="Content Placeholder 2">

--- a/Lectures/Lecture 2.pptx
+++ b/Lectures/Lecture 2.pptx
@@ -44,11 +44,14 @@
     <p:sldId id="340" r:id="rId38"/>
     <p:sldId id="341" r:id="rId39"/>
     <p:sldId id="342" r:id="rId40"/>
-    <p:sldId id="343" r:id="rId41"/>
-    <p:sldId id="344" r:id="rId42"/>
-    <p:sldId id="345" r:id="rId43"/>
-    <p:sldId id="346" r:id="rId44"/>
-    <p:sldId id="347" r:id="rId45"/>
+    <p:sldId id="348" r:id="rId41"/>
+    <p:sldId id="343" r:id="rId42"/>
+    <p:sldId id="349" r:id="rId43"/>
+    <p:sldId id="344" r:id="rId44"/>
+    <p:sldId id="345" r:id="rId45"/>
+    <p:sldId id="346" r:id="rId46"/>
+    <p:sldId id="350" r:id="rId47"/>
+    <p:sldId id="347" r:id="rId48"/>
   </p:sldIdLst>
   <p:sldSz cx="12192000" cy="6858000"/>
   <p:notesSz cx="6858000" cy="9144000"/>
@@ -27379,6 +27382,315 @@
     </p:spTree>
     <p:extLst>
       <p:ext uri="{BB962C8B-B14F-4D97-AF65-F5344CB8AC3E}">
+        <p14:creationId xmlns:p14="http://schemas.microsoft.com/office/powerpoint/2010/main" val="2746410699"/>
+      </p:ext>
+    </p:extLst>
+  </p:cSld>
+  <p:clrMapOvr>
+    <a:masterClrMapping/>
+  </p:clrMapOvr>
+</p:sld>
+</file>
+
+<file path=ppt/slides/slide41.xml><?xml version="1.0" encoding="utf-8"?>
+<p:sld xmlns:a="http://schemas.openxmlformats.org/drawingml/2006/main" xmlns:r="http://schemas.openxmlformats.org/officeDocument/2006/relationships" xmlns:p="http://schemas.openxmlformats.org/presentationml/2006/main">
+  <p:cSld>
+    <p:spTree>
+      <p:nvGrpSpPr>
+        <p:cNvPr id="1" name=""/>
+        <p:cNvGrpSpPr/>
+        <p:nvPr/>
+      </p:nvGrpSpPr>
+      <p:grpSpPr>
+        <a:xfrm>
+          <a:off x="0" y="0"/>
+          <a:ext cx="0" cy="0"/>
+          <a:chOff x="0" y="0"/>
+          <a:chExt cx="0" cy="0"/>
+        </a:xfrm>
+      </p:grpSpPr>
+      <p:sp>
+        <p:nvSpPr>
+          <p:cNvPr id="2" name="Title 1">
+            <a:extLst>
+              <a:ext uri="{FF2B5EF4-FFF2-40B4-BE49-F238E27FC236}">
+                <a16:creationId xmlns:a16="http://schemas.microsoft.com/office/drawing/2014/main" id="{AE78C164-BEFE-4FAB-8DBC-E02BBDB861E1}"/>
+              </a:ext>
+            </a:extLst>
+          </p:cNvPr>
+          <p:cNvSpPr>
+            <a:spLocks noGrp="1"/>
+          </p:cNvSpPr>
+          <p:nvPr>
+            <p:ph type="title"/>
+          </p:nvPr>
+        </p:nvSpPr>
+        <p:spPr/>
+        <p:txBody>
+          <a:bodyPr/>
+          <a:lstStyle/>
+          <a:p>
+            <a:r>
+              <a:rPr lang="en-US" dirty="0">
+                <a:solidFill>
+                  <a:schemeClr val="accent1"/>
+                </a:solidFill>
+              </a:rPr>
+              <a:t>Example I: The Factorial of a Number</a:t>
+            </a:r>
+          </a:p>
+        </p:txBody>
+      </p:sp>
+      <mc:AlternateContent xmlns:mc="http://schemas.openxmlformats.org/markup-compatibility/2006">
+        <mc:Choice xmlns:a14="http://schemas.microsoft.com/office/drawing/2010/main" Requires="a14">
+          <p:sp>
+            <p:nvSpPr>
+              <p:cNvPr id="13" name="TextBox 12">
+                <a:extLst>
+                  <a:ext uri="{FF2B5EF4-FFF2-40B4-BE49-F238E27FC236}">
+                    <a16:creationId xmlns:a16="http://schemas.microsoft.com/office/drawing/2014/main" id="{336C0190-45FA-45BA-A96F-A6413FD3332B}"/>
+                  </a:ext>
+                </a:extLst>
+              </p:cNvPr>
+              <p:cNvSpPr txBox="1"/>
+              <p:nvPr/>
+            </p:nvSpPr>
+            <p:spPr>
+              <a:xfrm>
+                <a:off x="1055914" y="1690688"/>
+                <a:ext cx="10929258" cy="5109091"/>
+              </a:xfrm>
+              <a:prstGeom prst="rect">
+                <a:avLst/>
+              </a:prstGeom>
+              <a:noFill/>
+            </p:spPr>
+            <p:txBody>
+              <a:bodyPr wrap="square" rtlCol="0">
+                <a:spAutoFit/>
+              </a:bodyPr>
+              <a:lstStyle/>
+              <a:p>
+                <a:r>
+                  <a:rPr lang="en-US" sz="2800" dirty="0">
+                    <a:solidFill>
+                      <a:schemeClr val="accent1"/>
+                    </a:solidFill>
+                  </a:rPr>
+                  <a:t>What about the </a:t>
+                </a:r>
+                <a:r>
+                  <a:rPr lang="en-US" sz="2800" b="1" i="1" dirty="0">
+                    <a:solidFill>
+                      <a:srgbClr val="FF0000"/>
+                    </a:solidFill>
+                  </a:rPr>
+                  <a:t>space complexity</a:t>
+                </a:r>
+                <a:r>
+                  <a:rPr lang="en-US" sz="2800" dirty="0">
+                    <a:solidFill>
+                      <a:schemeClr val="accent1"/>
+                    </a:solidFill>
+                  </a:rPr>
+                  <a:t>?</a:t>
+                </a:r>
+              </a:p>
+              <a:p>
+                <a:endParaRPr lang="en-US" sz="2800" dirty="0">
+                  <a:solidFill>
+                    <a:schemeClr val="accent1"/>
+                  </a:solidFill>
+                </a:endParaRPr>
+              </a:p>
+              <a:p>
+                <a:r>
+                  <a:rPr lang="en-US" sz="2800" dirty="0">
+                    <a:solidFill>
+                      <a:schemeClr val="accent1"/>
+                    </a:solidFill>
+                  </a:rPr>
+                  <a:t>Each time a recursive call is invoked, a </a:t>
+                </a:r>
+                <a:r>
+                  <a:rPr lang="en-US" sz="2800" b="1" i="1" dirty="0">
+                    <a:solidFill>
+                      <a:srgbClr val="FF0000"/>
+                    </a:solidFill>
+                  </a:rPr>
+                  <a:t>stack frame </a:t>
+                </a:r>
+                <a:r>
+                  <a:rPr lang="en-US" sz="2800" dirty="0">
+                    <a:solidFill>
+                      <a:schemeClr val="accent1"/>
+                    </a:solidFill>
+                  </a:rPr>
+                  <a:t>is dynamically allocated to hold the local variables within that call.</a:t>
+                </a:r>
+              </a:p>
+              <a:p>
+                <a:endParaRPr lang="en-US" sz="2800" dirty="0">
+                  <a:solidFill>
+                    <a:schemeClr val="accent1"/>
+                  </a:solidFill>
+                </a:endParaRPr>
+              </a:p>
+              <a:p>
+                <a:r>
+                  <a:rPr lang="en-US" sz="2800" dirty="0">
+                    <a:solidFill>
+                      <a:schemeClr val="accent1"/>
+                    </a:solidFill>
+                  </a:rPr>
+                  <a:t>Therefore, the space complexity </a:t>
+                </a:r>
+                <a14:m>
+                  <m:oMath xmlns:m="http://schemas.openxmlformats.org/officeDocument/2006/math">
+                    <m:r>
+                      <a:rPr lang="en-US" sz="2800" b="0" i="1" smtClean="0">
+                        <a:solidFill>
+                          <a:schemeClr val="tx1"/>
+                        </a:solidFill>
+                        <a:latin typeface="Cambria Math" panose="02040503050406030204" pitchFamily="18" charset="0"/>
+                      </a:rPr>
+                      <m:t>𝑆</m:t>
+                    </m:r>
+                    <m:d>
+                      <m:dPr>
+                        <m:ctrlPr>
+                          <a:rPr lang="en-US" sz="2800" b="0" i="1" smtClean="0">
+                            <a:solidFill>
+                              <a:schemeClr val="tx1"/>
+                            </a:solidFill>
+                            <a:latin typeface="Cambria Math" panose="02040503050406030204" pitchFamily="18" charset="0"/>
+                          </a:rPr>
+                        </m:ctrlPr>
+                      </m:dPr>
+                      <m:e>
+                        <m:r>
+                          <a:rPr lang="en-US" sz="2800" b="0" i="1" smtClean="0">
+                            <a:solidFill>
+                              <a:schemeClr val="tx1"/>
+                            </a:solidFill>
+                            <a:latin typeface="Cambria Math" panose="02040503050406030204" pitchFamily="18" charset="0"/>
+                          </a:rPr>
+                          <m:t>𝑛</m:t>
+                        </m:r>
+                      </m:e>
+                    </m:d>
+                  </m:oMath>
+                </a14:m>
+                <a:r>
+                  <a:rPr lang="en-US" sz="2800" dirty="0">
+                    <a:solidFill>
+                      <a:schemeClr val="accent1"/>
+                    </a:solidFill>
+                  </a:rPr>
+                  <a:t> of a recursive algorithm is proportional to the </a:t>
+                </a:r>
+                <a:r>
+                  <a:rPr lang="en-US" sz="2800" b="1" i="1" dirty="0">
+                    <a:solidFill>
+                      <a:srgbClr val="FF0000"/>
+                    </a:solidFill>
+                  </a:rPr>
+                  <a:t>maximum depth</a:t>
+                </a:r>
+                <a:r>
+                  <a:rPr lang="en-US" sz="2800" dirty="0">
+                    <a:solidFill>
+                      <a:schemeClr val="accent1"/>
+                    </a:solidFill>
+                  </a:rPr>
+                  <a:t> of recursive calls.</a:t>
+                </a:r>
+              </a:p>
+              <a:p>
+                <a:endParaRPr lang="en-US" sz="2800" dirty="0">
+                  <a:solidFill>
+                    <a:schemeClr val="accent1"/>
+                  </a:solidFill>
+                </a:endParaRPr>
+              </a:p>
+              <a:p>
+                <a:endParaRPr lang="en-US" sz="2800" dirty="0">
+                  <a:solidFill>
+                    <a:schemeClr val="accent1"/>
+                  </a:solidFill>
+                </a:endParaRPr>
+              </a:p>
+              <a:p>
+                <a:endParaRPr lang="en-US" sz="2800" dirty="0">
+                  <a:solidFill>
+                    <a:schemeClr val="accent1"/>
+                  </a:solidFill>
+                </a:endParaRPr>
+              </a:p>
+              <a:p>
+                <a:endParaRPr lang="en-US" sz="2800" dirty="0">
+                  <a:solidFill>
+                    <a:schemeClr val="accent1"/>
+                  </a:solidFill>
+                </a:endParaRPr>
+              </a:p>
+              <a:p>
+                <a:r>
+                  <a:rPr lang="en-US" dirty="0"/>
+                  <a:t>.</a:t>
+                </a:r>
+              </a:p>
+            </p:txBody>
+          </p:sp>
+        </mc:Choice>
+        <mc:Fallback>
+          <p:sp>
+            <p:nvSpPr>
+              <p:cNvPr id="13" name="TextBox 12">
+                <a:extLst>
+                  <a:ext uri="{FF2B5EF4-FFF2-40B4-BE49-F238E27FC236}">
+                    <a16:creationId xmlns:a16="http://schemas.microsoft.com/office/drawing/2014/main" id="{336C0190-45FA-45BA-A96F-A6413FD3332B}"/>
+                  </a:ext>
+                </a:extLst>
+              </p:cNvPr>
+              <p:cNvSpPr txBox="1">
+                <a:spLocks noRot="1" noChangeAspect="1" noMove="1" noResize="1" noEditPoints="1" noAdjustHandles="1" noChangeArrowheads="1" noChangeShapeType="1" noTextEdit="1"/>
+              </p:cNvSpPr>
+              <p:nvPr/>
+            </p:nvSpPr>
+            <p:spPr>
+              <a:xfrm>
+                <a:off x="1055914" y="1690688"/>
+                <a:ext cx="10929258" cy="5109091"/>
+              </a:xfrm>
+              <a:prstGeom prst="rect">
+                <a:avLst/>
+              </a:prstGeom>
+              <a:blipFill>
+                <a:blip r:embed="rId2"/>
+                <a:stretch>
+                  <a:fillRect l="-1115" t="-1074" b="-955"/>
+                </a:stretch>
+              </a:blipFill>
+            </p:spPr>
+            <p:txBody>
+              <a:bodyPr/>
+              <a:lstStyle/>
+              <a:p>
+                <a:r>
+                  <a:rPr lang="en-US">
+                    <a:noFill/>
+                  </a:rPr>
+                  <a:t> </a:t>
+                </a:r>
+              </a:p>
+            </p:txBody>
+          </p:sp>
+        </mc:Fallback>
+      </mc:AlternateContent>
+    </p:spTree>
+    <p:extLst>
+      <p:ext uri="{BB962C8B-B14F-4D97-AF65-F5344CB8AC3E}">
         <p14:creationId xmlns:p14="http://schemas.microsoft.com/office/powerpoint/2010/main" val="2611135907"/>
       </p:ext>
     </p:extLst>
@@ -27389,7 +27701,615 @@
 </p:sld>
 </file>
 
-<file path=ppt/slides/slide41.xml><?xml version="1.0" encoding="utf-8"?>
+<file path=ppt/slides/slide42.xml><?xml version="1.0" encoding="utf-8"?>
+<p:sld xmlns:a="http://schemas.openxmlformats.org/drawingml/2006/main" xmlns:r="http://schemas.openxmlformats.org/officeDocument/2006/relationships" xmlns:p="http://schemas.openxmlformats.org/presentationml/2006/main">
+  <p:cSld>
+    <p:spTree>
+      <p:nvGrpSpPr>
+        <p:cNvPr id="1" name=""/>
+        <p:cNvGrpSpPr/>
+        <p:nvPr/>
+      </p:nvGrpSpPr>
+      <p:grpSpPr>
+        <a:xfrm>
+          <a:off x="0" y="0"/>
+          <a:ext cx="0" cy="0"/>
+          <a:chOff x="0" y="0"/>
+          <a:chExt cx="0" cy="0"/>
+        </a:xfrm>
+      </p:grpSpPr>
+      <p:sp>
+        <p:nvSpPr>
+          <p:cNvPr id="2" name="Title 1">
+            <a:extLst>
+              <a:ext uri="{FF2B5EF4-FFF2-40B4-BE49-F238E27FC236}">
+                <a16:creationId xmlns:a16="http://schemas.microsoft.com/office/drawing/2014/main" id="{AE78C164-BEFE-4FAB-8DBC-E02BBDB861E1}"/>
+              </a:ext>
+            </a:extLst>
+          </p:cNvPr>
+          <p:cNvSpPr>
+            <a:spLocks noGrp="1"/>
+          </p:cNvSpPr>
+          <p:nvPr>
+            <p:ph type="title"/>
+          </p:nvPr>
+        </p:nvSpPr>
+        <p:spPr/>
+        <p:txBody>
+          <a:bodyPr/>
+          <a:lstStyle/>
+          <a:p>
+            <a:r>
+              <a:rPr lang="en-US" dirty="0">
+                <a:solidFill>
+                  <a:schemeClr val="accent1"/>
+                </a:solidFill>
+              </a:rPr>
+              <a:t>Example I: The Factorial of a Number</a:t>
+            </a:r>
+          </a:p>
+        </p:txBody>
+      </p:sp>
+      <mc:AlternateContent xmlns:mc="http://schemas.openxmlformats.org/markup-compatibility/2006">
+        <mc:Choice xmlns:a14="http://schemas.microsoft.com/office/drawing/2010/main" Requires="a14">
+          <p:sp>
+            <p:nvSpPr>
+              <p:cNvPr id="13" name="TextBox 12">
+                <a:extLst>
+                  <a:ext uri="{FF2B5EF4-FFF2-40B4-BE49-F238E27FC236}">
+                    <a16:creationId xmlns:a16="http://schemas.microsoft.com/office/drawing/2014/main" id="{336C0190-45FA-45BA-A96F-A6413FD3332B}"/>
+                  </a:ext>
+                </a:extLst>
+              </p:cNvPr>
+              <p:cNvSpPr txBox="1"/>
+              <p:nvPr/>
+            </p:nvSpPr>
+            <p:spPr>
+              <a:xfrm>
+                <a:off x="1055914" y="1690688"/>
+                <a:ext cx="10929258" cy="5539978"/>
+              </a:xfrm>
+              <a:prstGeom prst="rect">
+                <a:avLst/>
+              </a:prstGeom>
+              <a:noFill/>
+            </p:spPr>
+            <p:txBody>
+              <a:bodyPr wrap="square" rtlCol="0">
+                <a:spAutoFit/>
+              </a:bodyPr>
+              <a:lstStyle/>
+              <a:p>
+                <a:r>
+                  <a:rPr lang="en-US" sz="2800" dirty="0">
+                    <a:solidFill>
+                      <a:schemeClr val="accent1"/>
+                    </a:solidFill>
+                  </a:rPr>
+                  <a:t>For the factorial algorithm, the </a:t>
+                </a:r>
+                <a:r>
+                  <a:rPr lang="en-US" sz="2800" b="1" i="1" dirty="0">
+                    <a:solidFill>
+                      <a:srgbClr val="C00000"/>
+                    </a:solidFill>
+                  </a:rPr>
+                  <a:t>maximum depth </a:t>
+                </a:r>
+                <a:r>
+                  <a:rPr lang="en-US" sz="2800" dirty="0">
+                    <a:solidFill>
+                      <a:schemeClr val="accent1"/>
+                    </a:solidFill>
+                  </a:rPr>
+                  <a:t>of recursive calls is </a:t>
+                </a:r>
+                <a14:m>
+                  <m:oMath xmlns:m="http://schemas.openxmlformats.org/officeDocument/2006/math">
+                    <m:r>
+                      <a:rPr lang="en-US" sz="2800" b="0" i="1" smtClean="0">
+                        <a:solidFill>
+                          <a:schemeClr val="tx1"/>
+                        </a:solidFill>
+                        <a:latin typeface="Cambria Math" panose="02040503050406030204" pitchFamily="18" charset="0"/>
+                      </a:rPr>
+                      <m:t>𝑛</m:t>
+                    </m:r>
+                    <m:r>
+                      <a:rPr lang="en-US" sz="2800" b="0" i="1" smtClean="0">
+                        <a:solidFill>
+                          <a:schemeClr val="tx1"/>
+                        </a:solidFill>
+                        <a:latin typeface="Cambria Math" panose="02040503050406030204" pitchFamily="18" charset="0"/>
+                      </a:rPr>
+                      <m:t>+1</m:t>
+                    </m:r>
+                  </m:oMath>
+                </a14:m>
+                <a:r>
+                  <a:rPr lang="en-US" sz="2800" dirty="0">
+                    <a:solidFill>
+                      <a:schemeClr val="accent1"/>
+                    </a:solidFill>
+                  </a:rPr>
+                  <a:t>.</a:t>
+                </a:r>
+              </a:p>
+              <a:p>
+                <a:r>
+                  <a:rPr lang="en-US" sz="2800" dirty="0">
+                    <a:solidFill>
+                      <a:schemeClr val="accent1"/>
+                    </a:solidFill>
+                  </a:rPr>
+                  <a:t>Therefore,  </a:t>
+                </a:r>
+                <a14:m>
+                  <m:oMath xmlns:m="http://schemas.openxmlformats.org/officeDocument/2006/math">
+                    <m:r>
+                      <a:rPr lang="en-US" sz="2800" b="0" i="1" smtClean="0">
+                        <a:solidFill>
+                          <a:schemeClr val="tx1"/>
+                        </a:solidFill>
+                        <a:latin typeface="Cambria Math" panose="02040503050406030204" pitchFamily="18" charset="0"/>
+                      </a:rPr>
+                      <m:t>𝑆</m:t>
+                    </m:r>
+                    <m:d>
+                      <m:dPr>
+                        <m:ctrlPr>
+                          <a:rPr lang="en-US" sz="2800" b="0" i="1" smtClean="0">
+                            <a:solidFill>
+                              <a:schemeClr val="tx1"/>
+                            </a:solidFill>
+                            <a:latin typeface="Cambria Math" panose="02040503050406030204" pitchFamily="18" charset="0"/>
+                          </a:rPr>
+                        </m:ctrlPr>
+                      </m:dPr>
+                      <m:e>
+                        <m:r>
+                          <a:rPr lang="en-US" sz="2800" b="0" i="1" smtClean="0">
+                            <a:solidFill>
+                              <a:schemeClr val="tx1"/>
+                            </a:solidFill>
+                            <a:latin typeface="Cambria Math" panose="02040503050406030204" pitchFamily="18" charset="0"/>
+                          </a:rPr>
+                          <m:t>𝑛</m:t>
+                        </m:r>
+                      </m:e>
+                    </m:d>
+                    <m:r>
+                      <a:rPr lang="en-US" sz="2800" b="0" i="1" smtClean="0">
+                        <a:solidFill>
+                          <a:schemeClr val="tx1"/>
+                        </a:solidFill>
+                        <a:latin typeface="Cambria Math" panose="02040503050406030204" pitchFamily="18" charset="0"/>
+                        <a:ea typeface="Cambria Math" panose="02040503050406030204" pitchFamily="18" charset="0"/>
+                      </a:rPr>
+                      <m:t>∝(</m:t>
+                    </m:r>
+                    <m:r>
+                      <a:rPr lang="en-US" sz="2800" b="0" i="1" smtClean="0">
+                        <a:solidFill>
+                          <a:schemeClr val="tx1"/>
+                        </a:solidFill>
+                        <a:latin typeface="Cambria Math" panose="02040503050406030204" pitchFamily="18" charset="0"/>
+                        <a:ea typeface="Cambria Math" panose="02040503050406030204" pitchFamily="18" charset="0"/>
+                      </a:rPr>
+                      <m:t>𝑛</m:t>
+                    </m:r>
+                    <m:r>
+                      <a:rPr lang="en-US" sz="2800" b="0" i="1" smtClean="0">
+                        <a:solidFill>
+                          <a:schemeClr val="tx1"/>
+                        </a:solidFill>
+                        <a:latin typeface="Cambria Math" panose="02040503050406030204" pitchFamily="18" charset="0"/>
+                        <a:ea typeface="Cambria Math" panose="02040503050406030204" pitchFamily="18" charset="0"/>
+                      </a:rPr>
+                      <m:t>+1</m:t>
+                    </m:r>
+                  </m:oMath>
+                </a14:m>
+                <a:r>
+                  <a:rPr lang="en-US" sz="2800" dirty="0">
+                    <a:solidFill>
+                      <a:schemeClr val="tx1"/>
+                    </a:solidFill>
+                  </a:rPr>
+                  <a:t>)</a:t>
+                </a:r>
+                <a:r>
+                  <a:rPr lang="en-US" sz="2800" dirty="0">
+                    <a:solidFill>
+                      <a:schemeClr val="accent1"/>
+                    </a:solidFill>
+                  </a:rPr>
+                  <a:t>.</a:t>
+                </a:r>
+              </a:p>
+              <a:p>
+                <a:endParaRPr lang="en-US" sz="2800" dirty="0">
+                  <a:solidFill>
+                    <a:schemeClr val="accent1"/>
+                  </a:solidFill>
+                </a:endParaRPr>
+              </a:p>
+              <a:p>
+                <a:r>
+                  <a:rPr lang="en-US" sz="2800" dirty="0">
+                    <a:solidFill>
+                      <a:schemeClr val="accent1"/>
+                    </a:solidFill>
+                  </a:rPr>
+                  <a:t>Looking at the algorithm, we can see that each recursive call requires </a:t>
+                </a:r>
+                <a14:m>
+                  <m:oMath xmlns:m="http://schemas.openxmlformats.org/officeDocument/2006/math">
+                    <m:r>
+                      <m:rPr>
+                        <m:sty m:val="p"/>
+                      </m:rPr>
+                      <a:rPr lang="el-GR" sz="2800" i="1" smtClean="0">
+                        <a:solidFill>
+                          <a:schemeClr val="tx1"/>
+                        </a:solidFill>
+                        <a:latin typeface="Cambria Math" panose="02040503050406030204" pitchFamily="18" charset="0"/>
+                        <a:ea typeface="Cambria Math" panose="02040503050406030204" pitchFamily="18" charset="0"/>
+                      </a:rPr>
+                      <m:t>Θ</m:t>
+                    </m:r>
+                    <m:d>
+                      <m:dPr>
+                        <m:ctrlPr>
+                          <a:rPr lang="en-US" sz="2800" b="0" i="1" smtClean="0">
+                            <a:solidFill>
+                              <a:schemeClr val="tx1"/>
+                            </a:solidFill>
+                            <a:latin typeface="Cambria Math" panose="02040503050406030204" pitchFamily="18" charset="0"/>
+                            <a:ea typeface="Cambria Math" panose="02040503050406030204" pitchFamily="18" charset="0"/>
+                          </a:rPr>
+                        </m:ctrlPr>
+                      </m:dPr>
+                      <m:e>
+                        <m:r>
+                          <a:rPr lang="en-US" sz="2800" b="0" i="1" smtClean="0">
+                            <a:solidFill>
+                              <a:schemeClr val="tx1"/>
+                            </a:solidFill>
+                            <a:latin typeface="Cambria Math" panose="02040503050406030204" pitchFamily="18" charset="0"/>
+                            <a:ea typeface="Cambria Math" panose="02040503050406030204" pitchFamily="18" charset="0"/>
+                          </a:rPr>
+                          <m:t>1</m:t>
+                        </m:r>
+                      </m:e>
+                    </m:d>
+                  </m:oMath>
+                </a14:m>
+                <a:endParaRPr lang="en-US" sz="2800" dirty="0">
+                  <a:solidFill>
+                    <a:schemeClr val="accent1"/>
+                  </a:solidFill>
+                </a:endParaRPr>
+              </a:p>
+              <a:p>
+                <a:r>
+                  <a:rPr lang="en-US" sz="2800" dirty="0">
+                    <a:solidFill>
+                      <a:schemeClr val="accent1"/>
+                    </a:solidFill>
+                  </a:rPr>
+                  <a:t>space.</a:t>
+                </a:r>
+              </a:p>
+              <a:p>
+                <a:pPr marL="914400" lvl="1" indent="-457200">
+                  <a:buFont typeface="Wingdings" panose="05000000000000000000" pitchFamily="2" charset="2"/>
+                  <a:buChar char="q"/>
+                </a:pPr>
+                <a:r>
+                  <a:rPr lang="en-US" sz="2800" dirty="0">
+                    <a:solidFill>
+                      <a:schemeClr val="accent1"/>
+                    </a:solidFill>
+                  </a:rPr>
+                  <a:t>space requirement is independent of the problem size.</a:t>
+                </a:r>
+              </a:p>
+              <a:p>
+                <a:endParaRPr lang="en-US" sz="2800" dirty="0">
+                  <a:solidFill>
+                    <a:schemeClr val="accent1"/>
+                  </a:solidFill>
+                </a:endParaRPr>
+              </a:p>
+              <a:p>
+                <a:r>
+                  <a:rPr lang="en-US" sz="2800" dirty="0">
+                    <a:solidFill>
+                      <a:schemeClr val="accent1"/>
+                    </a:solidFill>
+                  </a:rPr>
+                  <a:t>Therefore, the total space complexity </a:t>
+                </a:r>
+                <a14:m>
+                  <m:oMath xmlns:m="http://schemas.openxmlformats.org/officeDocument/2006/math">
+                    <m:r>
+                      <a:rPr lang="en-US" sz="2800" b="0" i="1" smtClean="0">
+                        <a:solidFill>
+                          <a:schemeClr val="tx1"/>
+                        </a:solidFill>
+                        <a:latin typeface="Cambria Math" panose="02040503050406030204" pitchFamily="18" charset="0"/>
+                      </a:rPr>
+                      <m:t>𝑆</m:t>
+                    </m:r>
+                    <m:d>
+                      <m:dPr>
+                        <m:ctrlPr>
+                          <a:rPr lang="en-US" sz="2800" b="0" i="1" smtClean="0">
+                            <a:solidFill>
+                              <a:schemeClr val="tx1"/>
+                            </a:solidFill>
+                            <a:latin typeface="Cambria Math" panose="02040503050406030204" pitchFamily="18" charset="0"/>
+                          </a:rPr>
+                        </m:ctrlPr>
+                      </m:dPr>
+                      <m:e>
+                        <m:r>
+                          <a:rPr lang="en-US" sz="2800" b="0" i="1" smtClean="0">
+                            <a:solidFill>
+                              <a:schemeClr val="tx1"/>
+                            </a:solidFill>
+                            <a:latin typeface="Cambria Math" panose="02040503050406030204" pitchFamily="18" charset="0"/>
+                          </a:rPr>
+                          <m:t>𝑛</m:t>
+                        </m:r>
+                      </m:e>
+                    </m:d>
+                    <m:r>
+                      <a:rPr lang="en-US" sz="2800" b="0" i="1" smtClean="0">
+                        <a:solidFill>
+                          <a:schemeClr val="tx1"/>
+                        </a:solidFill>
+                        <a:latin typeface="Cambria Math" panose="02040503050406030204" pitchFamily="18" charset="0"/>
+                        <a:ea typeface="Cambria Math" panose="02040503050406030204" pitchFamily="18" charset="0"/>
+                      </a:rPr>
+                      <m:t>=</m:t>
+                    </m:r>
+                    <m:d>
+                      <m:dPr>
+                        <m:ctrlPr>
+                          <a:rPr lang="en-US" sz="2800" b="0" i="1" smtClean="0">
+                            <a:solidFill>
+                              <a:schemeClr val="tx1"/>
+                            </a:solidFill>
+                            <a:latin typeface="Cambria Math" panose="02040503050406030204" pitchFamily="18" charset="0"/>
+                            <a:ea typeface="Cambria Math" panose="02040503050406030204" pitchFamily="18" charset="0"/>
+                          </a:rPr>
+                        </m:ctrlPr>
+                      </m:dPr>
+                      <m:e>
+                        <m:r>
+                          <a:rPr lang="en-US" sz="2800" b="0" i="1" smtClean="0">
+                            <a:solidFill>
+                              <a:schemeClr val="tx1"/>
+                            </a:solidFill>
+                            <a:latin typeface="Cambria Math" panose="02040503050406030204" pitchFamily="18" charset="0"/>
+                            <a:ea typeface="Cambria Math" panose="02040503050406030204" pitchFamily="18" charset="0"/>
+                          </a:rPr>
+                          <m:t>𝑛</m:t>
+                        </m:r>
+                        <m:r>
+                          <a:rPr lang="en-US" sz="2800" b="0" i="1" smtClean="0">
+                            <a:solidFill>
+                              <a:schemeClr val="tx1"/>
+                            </a:solidFill>
+                            <a:latin typeface="Cambria Math" panose="02040503050406030204" pitchFamily="18" charset="0"/>
+                            <a:ea typeface="Cambria Math" panose="02040503050406030204" pitchFamily="18" charset="0"/>
+                          </a:rPr>
+                          <m:t>+1</m:t>
+                        </m:r>
+                      </m:e>
+                    </m:d>
+                    <m:r>
+                      <a:rPr lang="en-US" sz="2800" b="0" i="1" smtClean="0">
+                        <a:solidFill>
+                          <a:schemeClr val="tx1"/>
+                        </a:solidFill>
+                        <a:latin typeface="Cambria Math" panose="02040503050406030204" pitchFamily="18" charset="0"/>
+                        <a:ea typeface="Cambria Math" panose="02040503050406030204" pitchFamily="18" charset="0"/>
+                      </a:rPr>
+                      <m:t>∙</m:t>
+                    </m:r>
+                    <m:r>
+                      <a:rPr lang="el-GR" sz="2800" i="1">
+                        <a:latin typeface="Cambria Math" panose="02040503050406030204" pitchFamily="18" charset="0"/>
+                        <a:ea typeface="Cambria Math" panose="02040503050406030204" pitchFamily="18" charset="0"/>
+                      </a:rPr>
+                      <m:t>𝛩</m:t>
+                    </m:r>
+                    <m:d>
+                      <m:dPr>
+                        <m:ctrlPr>
+                          <a:rPr lang="en-US" sz="2800" i="1">
+                            <a:latin typeface="Cambria Math" panose="02040503050406030204" pitchFamily="18" charset="0"/>
+                            <a:ea typeface="Cambria Math" panose="02040503050406030204" pitchFamily="18" charset="0"/>
+                          </a:rPr>
+                        </m:ctrlPr>
+                      </m:dPr>
+                      <m:e>
+                        <m:r>
+                          <a:rPr lang="en-US" sz="2800" i="1">
+                            <a:latin typeface="Cambria Math" panose="02040503050406030204" pitchFamily="18" charset="0"/>
+                            <a:ea typeface="Cambria Math" panose="02040503050406030204" pitchFamily="18" charset="0"/>
+                          </a:rPr>
+                          <m:t>1</m:t>
+                        </m:r>
+                      </m:e>
+                    </m:d>
+                    <m:r>
+                      <a:rPr lang="en-US" sz="2800" b="0" i="1" smtClean="0">
+                        <a:latin typeface="Cambria Math" panose="02040503050406030204" pitchFamily="18" charset="0"/>
+                        <a:ea typeface="Cambria Math" panose="02040503050406030204" pitchFamily="18" charset="0"/>
+                      </a:rPr>
+                      <m:t>=</m:t>
+                    </m:r>
+                    <m:r>
+                      <a:rPr lang="el-GR" sz="2800" i="1" smtClean="0">
+                        <a:latin typeface="Cambria Math" panose="02040503050406030204" pitchFamily="18" charset="0"/>
+                        <a:ea typeface="Cambria Math" panose="02040503050406030204" pitchFamily="18" charset="0"/>
+                      </a:rPr>
+                      <m:t>𝛩</m:t>
+                    </m:r>
+                    <m:r>
+                      <a:rPr lang="en-US" sz="2800" b="0" i="1" smtClean="0">
+                        <a:latin typeface="Cambria Math" panose="02040503050406030204" pitchFamily="18" charset="0"/>
+                        <a:ea typeface="Cambria Math" panose="02040503050406030204" pitchFamily="18" charset="0"/>
+                      </a:rPr>
+                      <m:t>(</m:t>
+                    </m:r>
+                    <m:r>
+                      <a:rPr lang="en-US" sz="2800" b="0" i="1" smtClean="0">
+                        <a:latin typeface="Cambria Math" panose="02040503050406030204" pitchFamily="18" charset="0"/>
+                        <a:ea typeface="Cambria Math" panose="02040503050406030204" pitchFamily="18" charset="0"/>
+                      </a:rPr>
+                      <m:t>𝑛</m:t>
+                    </m:r>
+                    <m:r>
+                      <a:rPr lang="en-US" sz="2800" b="0" i="1" smtClean="0">
+                        <a:latin typeface="Cambria Math" panose="02040503050406030204" pitchFamily="18" charset="0"/>
+                        <a:ea typeface="Cambria Math" panose="02040503050406030204" pitchFamily="18" charset="0"/>
+                      </a:rPr>
+                      <m:t>)</m:t>
+                    </m:r>
+                  </m:oMath>
+                </a14:m>
+                <a:r>
+                  <a:rPr lang="en-US" sz="2800" dirty="0">
+                    <a:solidFill>
+                      <a:schemeClr val="accent1"/>
+                    </a:solidFill>
+                  </a:rPr>
+                  <a:t> .</a:t>
+                </a:r>
+                <a:r>
+                  <a:rPr lang="en-US" sz="2800" dirty="0">
+                    <a:ea typeface="Cambria Math" panose="02040503050406030204" pitchFamily="18" charset="0"/>
+                  </a:rPr>
+                  <a:t> </a:t>
+                </a:r>
+                <a14:m>
+                  <m:oMath xmlns:m="http://schemas.openxmlformats.org/officeDocument/2006/math">
+                    <m:r>
+                      <a:rPr lang="en-US" sz="2800" i="1" dirty="0">
+                        <a:latin typeface="Cambria Math" panose="02040503050406030204" pitchFamily="18" charset="0"/>
+                        <a:ea typeface="Cambria Math" panose="02040503050406030204" pitchFamily="18" charset="0"/>
+                      </a:rPr>
+                      <m:t>∎</m:t>
+                    </m:r>
+                  </m:oMath>
+                </a14:m>
+                <a:endParaRPr lang="en-US" sz="2800" i="1" dirty="0">
+                  <a:solidFill>
+                    <a:schemeClr val="accent1"/>
+                  </a:solidFill>
+                </a:endParaRPr>
+              </a:p>
+              <a:p>
+                <a:endParaRPr lang="en-US" sz="2800" dirty="0">
+                  <a:solidFill>
+                    <a:schemeClr val="accent1"/>
+                  </a:solidFill>
+                </a:endParaRPr>
+              </a:p>
+              <a:p>
+                <a:endParaRPr lang="en-US" sz="2800" dirty="0">
+                  <a:solidFill>
+                    <a:schemeClr val="accent1"/>
+                  </a:solidFill>
+                </a:endParaRPr>
+              </a:p>
+              <a:p>
+                <a:endParaRPr lang="en-US" sz="2800" dirty="0">
+                  <a:solidFill>
+                    <a:schemeClr val="accent1"/>
+                  </a:solidFill>
+                </a:endParaRPr>
+              </a:p>
+              <a:p>
+                <a:endParaRPr lang="en-US" sz="2800" dirty="0">
+                  <a:solidFill>
+                    <a:schemeClr val="accent1"/>
+                  </a:solidFill>
+                </a:endParaRPr>
+              </a:p>
+              <a:p>
+                <a:r>
+                  <a:rPr lang="en-US" dirty="0"/>
+                  <a:t>.</a:t>
+                </a:r>
+              </a:p>
+            </p:txBody>
+          </p:sp>
+        </mc:Choice>
+        <mc:Fallback>
+          <p:sp>
+            <p:nvSpPr>
+              <p:cNvPr id="13" name="TextBox 12">
+                <a:extLst>
+                  <a:ext uri="{FF2B5EF4-FFF2-40B4-BE49-F238E27FC236}">
+                    <a16:creationId xmlns:a16="http://schemas.microsoft.com/office/drawing/2014/main" id="{336C0190-45FA-45BA-A96F-A6413FD3332B}"/>
+                  </a:ext>
+                </a:extLst>
+              </p:cNvPr>
+              <p:cNvSpPr txBox="1">
+                <a:spLocks noRot="1" noChangeAspect="1" noMove="1" noResize="1" noEditPoints="1" noAdjustHandles="1" noChangeArrowheads="1" noChangeShapeType="1" noTextEdit="1"/>
+              </p:cNvSpPr>
+              <p:nvPr/>
+            </p:nvSpPr>
+            <p:spPr>
+              <a:xfrm>
+                <a:off x="1055914" y="1690688"/>
+                <a:ext cx="10929258" cy="5539978"/>
+              </a:xfrm>
+              <a:prstGeom prst="rect">
+                <a:avLst/>
+              </a:prstGeom>
+              <a:blipFill>
+                <a:blip r:embed="rId2"/>
+                <a:stretch>
+                  <a:fillRect l="-1115" t="-990" r="-669" b="-770"/>
+                </a:stretch>
+              </a:blipFill>
+            </p:spPr>
+            <p:txBody>
+              <a:bodyPr/>
+              <a:lstStyle/>
+              <a:p>
+                <a:r>
+                  <a:rPr lang="en-US">
+                    <a:noFill/>
+                  </a:rPr>
+                  <a:t> </a:t>
+                </a:r>
+              </a:p>
+            </p:txBody>
+          </p:sp>
+        </mc:Fallback>
+      </mc:AlternateContent>
+    </p:spTree>
+    <p:extLst>
+      <p:ext uri="{BB962C8B-B14F-4D97-AF65-F5344CB8AC3E}">
+        <p14:creationId xmlns:p14="http://schemas.microsoft.com/office/powerpoint/2010/main" val="3613265790"/>
+      </p:ext>
+    </p:extLst>
+  </p:cSld>
+  <p:clrMapOvr>
+    <a:masterClrMapping/>
+  </p:clrMapOvr>
+</p:sld>
+</file>
+
+<file path=ppt/slides/slide43.xml><?xml version="1.0" encoding="utf-8"?>
 <p:sld xmlns:a="http://schemas.openxmlformats.org/drawingml/2006/main" xmlns:r="http://schemas.openxmlformats.org/officeDocument/2006/relationships" xmlns:p="http://schemas.openxmlformats.org/presentationml/2006/main">
   <p:cSld>
     <p:spTree>
@@ -27841,7 +28761,7 @@
 </p:sld>
 </file>
 
-<file path=ppt/slides/slide42.xml><?xml version="1.0" encoding="utf-8"?>
+<file path=ppt/slides/slide44.xml><?xml version="1.0" encoding="utf-8"?>
 <p:sld xmlns:a="http://schemas.openxmlformats.org/drawingml/2006/main" xmlns:r="http://schemas.openxmlformats.org/officeDocument/2006/relationships" xmlns:p="http://schemas.openxmlformats.org/presentationml/2006/main">
   <p:cSld>
     <p:spTree>
@@ -30978,7 +31898,7 @@
 </p:sld>
 </file>
 
-<file path=ppt/slides/slide43.xml><?xml version="1.0" encoding="utf-8"?>
+<file path=ppt/slides/slide45.xml><?xml version="1.0" encoding="utf-8"?>
 <p:sld xmlns:a="http://schemas.openxmlformats.org/drawingml/2006/main" xmlns:r="http://schemas.openxmlformats.org/officeDocument/2006/relationships" xmlns:p="http://schemas.openxmlformats.org/presentationml/2006/main">
   <p:cSld>
     <p:spTree>
@@ -31838,7 +32758,180 @@
 </p:sld>
 </file>
 
-<file path=ppt/slides/slide44.xml><?xml version="1.0" encoding="utf-8"?>
+<file path=ppt/slides/slide46.xml><?xml version="1.0" encoding="utf-8"?>
+<p:sld xmlns:a="http://schemas.openxmlformats.org/drawingml/2006/main" xmlns:r="http://schemas.openxmlformats.org/officeDocument/2006/relationships" xmlns:p="http://schemas.openxmlformats.org/presentationml/2006/main">
+  <p:cSld>
+    <p:spTree>
+      <p:nvGrpSpPr>
+        <p:cNvPr id="1" name=""/>
+        <p:cNvGrpSpPr/>
+        <p:nvPr/>
+      </p:nvGrpSpPr>
+      <p:grpSpPr>
+        <a:xfrm>
+          <a:off x="0" y="0"/>
+          <a:ext cx="0" cy="0"/>
+          <a:chOff x="0" y="0"/>
+          <a:chExt cx="0" cy="0"/>
+        </a:xfrm>
+      </p:grpSpPr>
+      <p:sp>
+        <p:nvSpPr>
+          <p:cNvPr id="2" name="Title 1">
+            <a:extLst>
+              <a:ext uri="{FF2B5EF4-FFF2-40B4-BE49-F238E27FC236}">
+                <a16:creationId xmlns:a16="http://schemas.microsoft.com/office/drawing/2014/main" id="{2A038BAE-AAD2-4811-B880-F26F21EF2AF2}"/>
+              </a:ext>
+            </a:extLst>
+          </p:cNvPr>
+          <p:cNvSpPr>
+            <a:spLocks noGrp="1"/>
+          </p:cNvSpPr>
+          <p:nvPr>
+            <p:ph type="title"/>
+          </p:nvPr>
+        </p:nvSpPr>
+        <p:spPr/>
+        <p:txBody>
+          <a:bodyPr/>
+          <a:lstStyle/>
+          <a:p>
+            <a:r>
+              <a:rPr lang="en-US" dirty="0">
+                <a:solidFill>
+                  <a:schemeClr val="accent1"/>
+                </a:solidFill>
+              </a:rPr>
+              <a:t>Summary</a:t>
+            </a:r>
+          </a:p>
+        </p:txBody>
+      </p:sp>
+      <p:sp>
+        <p:nvSpPr>
+          <p:cNvPr id="3" name="Content Placeholder 2">
+            <a:extLst>
+              <a:ext uri="{FF2B5EF4-FFF2-40B4-BE49-F238E27FC236}">
+                <a16:creationId xmlns:a16="http://schemas.microsoft.com/office/drawing/2014/main" id="{D5C53BBD-0635-4B70-A21D-554B18C65532}"/>
+              </a:ext>
+            </a:extLst>
+          </p:cNvPr>
+          <p:cNvSpPr>
+            <a:spLocks noGrp="1"/>
+          </p:cNvSpPr>
+          <p:nvPr>
+            <p:ph idx="1"/>
+          </p:nvPr>
+        </p:nvSpPr>
+        <p:spPr/>
+        <p:txBody>
+          <a:bodyPr/>
+          <a:lstStyle/>
+          <a:p>
+            <a:pPr marL="0" indent="0">
+              <a:buNone/>
+            </a:pPr>
+            <a:r>
+              <a:rPr lang="en-US" b="1" i="1" u="sng" dirty="0">
+                <a:solidFill>
+                  <a:srgbClr val="C00000"/>
+                </a:solidFill>
+              </a:rPr>
+              <a:t>Advantages:</a:t>
+            </a:r>
+          </a:p>
+          <a:p>
+            <a:pPr lvl="1"/>
+            <a:r>
+              <a:rPr lang="en-US" dirty="0">
+                <a:solidFill>
+                  <a:schemeClr val="accent1"/>
+                </a:solidFill>
+              </a:rPr>
+              <a:t>Many algorithms can be naturally implemented using recursion and hence can be coded faster.</a:t>
+            </a:r>
+          </a:p>
+          <a:p>
+            <a:pPr lvl="1"/>
+            <a:r>
+              <a:rPr lang="en-US" dirty="0">
+                <a:solidFill>
+                  <a:schemeClr val="accent1"/>
+                </a:solidFill>
+              </a:rPr>
+              <a:t>Recursive code tends to be more concise and more easily understood.</a:t>
+            </a:r>
+          </a:p>
+          <a:p>
+            <a:pPr marL="0" indent="0">
+              <a:buNone/>
+            </a:pPr>
+            <a:r>
+              <a:rPr lang="en-US" b="1" i="1" u="sng" dirty="0" err="1">
+                <a:solidFill>
+                  <a:srgbClr val="C00000"/>
+                </a:solidFill>
+              </a:rPr>
+              <a:t>Disavantages</a:t>
+            </a:r>
+            <a:r>
+              <a:rPr lang="en-US" b="1" i="1" u="sng" dirty="0">
+                <a:solidFill>
+                  <a:srgbClr val="C00000"/>
+                </a:solidFill>
+              </a:rPr>
+              <a:t>:</a:t>
+            </a:r>
+          </a:p>
+          <a:p>
+            <a:pPr lvl="1"/>
+            <a:r>
+              <a:rPr lang="en-US" dirty="0">
+                <a:solidFill>
+                  <a:schemeClr val="accent1"/>
+                </a:solidFill>
+              </a:rPr>
+              <a:t>Recursive algorithms require additional space for stack frames.</a:t>
+            </a:r>
+          </a:p>
+          <a:p>
+            <a:pPr lvl="1"/>
+            <a:r>
+              <a:rPr lang="en-US" dirty="0">
+                <a:solidFill>
+                  <a:schemeClr val="accent1"/>
+                </a:solidFill>
+              </a:rPr>
+              <a:t>The space complexity is proportional to the maximum depth of recursive calls.</a:t>
+            </a:r>
+          </a:p>
+          <a:p>
+            <a:pPr lvl="1"/>
+            <a:r>
+              <a:rPr lang="en-US" dirty="0">
+                <a:solidFill>
+                  <a:schemeClr val="accent1"/>
+                </a:solidFill>
+              </a:rPr>
+              <a:t>It incurs additional call overhead that can potentially increase running time. </a:t>
+            </a:r>
+          </a:p>
+        </p:txBody>
+      </p:sp>
+    </p:spTree>
+    <p:extLst>
+      <p:ext uri="{BB962C8B-B14F-4D97-AF65-F5344CB8AC3E}">
+        <p14:creationId xmlns:p14="http://schemas.microsoft.com/office/powerpoint/2010/main" val="2967177672"/>
+      </p:ext>
+    </p:extLst>
+  </p:cSld>
+  <p:clrMapOvr>
+    <a:masterClrMapping/>
+  </p:clrMapOvr>
+</p:sld>
+</file>
+
+<file path=ppt/slides/slide47.xml><?xml version="1.0" encoding="utf-8"?>
 <p:sld xmlns:a="http://schemas.openxmlformats.org/drawingml/2006/main" xmlns:r="http://schemas.openxmlformats.org/officeDocument/2006/relationships" xmlns:p="http://schemas.openxmlformats.org/presentationml/2006/main">
   <p:cSld>
     <p:spTree>

--- a/Lectures/Lecture 2.pptx
+++ b/Lectures/Lecture 2.pptx
@@ -8757,8 +8757,8 @@
           </p:sp>
         </mc:Fallback>
       </mc:AlternateContent>
-      <mc:AlternateContent xmlns:mc="http://schemas.openxmlformats.org/markup-compatibility/2006">
-        <mc:Choice xmlns:a14="http://schemas.microsoft.com/office/drawing/2010/main" Requires="a14">
+      <mc:AlternateContent xmlns:mc="http://schemas.openxmlformats.org/markup-compatibility/2006" xmlns:a14="http://schemas.microsoft.com/office/drawing/2010/main">
+        <mc:Choice Requires="a14">
           <p:sp>
             <p:nvSpPr>
               <p:cNvPr id="3" name="Content Placeholder 2">
@@ -9955,7 +9955,7 @@
             </p:txBody>
           </p:sp>
         </mc:Choice>
-        <mc:Fallback>
+        <mc:Fallback xmlns="">
           <p:sp>
             <p:nvSpPr>
               <p:cNvPr id="3" name="Content Placeholder 2">
@@ -27436,13 +27436,13 @@
                   <a:schemeClr val="accent1"/>
                 </a:solidFill>
               </a:rPr>
-              <a:t>Example I: The Factorial of a Number</a:t>
+              <a:t>Space Complexity</a:t>
             </a:r>
           </a:p>
         </p:txBody>
       </p:sp>
-      <mc:AlternateContent xmlns:mc="http://schemas.openxmlformats.org/markup-compatibility/2006">
-        <mc:Choice xmlns:a14="http://schemas.microsoft.com/office/drawing/2010/main" Requires="a14">
+      <mc:AlternateContent xmlns:mc="http://schemas.openxmlformats.org/markup-compatibility/2006" xmlns:a14="http://schemas.microsoft.com/office/drawing/2010/main">
+        <mc:Choice Requires="a14">
           <p:sp>
             <p:nvSpPr>
               <p:cNvPr id="13" name="TextBox 12">
@@ -27643,7 +27643,7 @@
             </p:txBody>
           </p:sp>
         </mc:Choice>
-        <mc:Fallback>
+        <mc:Fallback xmlns="">
           <p:sp>
             <p:nvSpPr>
               <p:cNvPr id="13" name="TextBox 12">
@@ -27745,13 +27745,13 @@
                   <a:schemeClr val="accent1"/>
                 </a:solidFill>
               </a:rPr>
-              <a:t>Example I: The Factorial of a Number</a:t>
+              <a:t>Space Complexity: The Factorial Algorithm</a:t>
             </a:r>
           </a:p>
         </p:txBody>
       </p:sp>
-      <mc:AlternateContent xmlns:mc="http://schemas.openxmlformats.org/markup-compatibility/2006">
-        <mc:Choice xmlns:a14="http://schemas.microsoft.com/office/drawing/2010/main" Requires="a14">
+      <mc:AlternateContent xmlns:mc="http://schemas.openxmlformats.org/markup-compatibility/2006" xmlns:a14="http://schemas.microsoft.com/office/drawing/2010/main">
+        <mc:Choice Requires="a14">
           <p:sp>
             <p:nvSpPr>
               <p:cNvPr id="13" name="TextBox 12">
@@ -28251,7 +28251,7 @@
             </p:txBody>
           </p:sp>
         </mc:Choice>
-        <mc:Fallback>
+        <mc:Fallback xmlns="">
           <p:sp>
             <p:nvSpPr>
               <p:cNvPr id="13" name="TextBox 12">

--- a/Lectures/Lecture 2.pptx
+++ b/Lectures/Lecture 2.pptx
@@ -317,7 +317,7 @@
           <a:p>
             <a:fld id="{5849EC3F-3491-4077-BC75-00FB4BA542B8}" type="datetimeFigureOut">
               <a:rPr lang="en-US" smtClean="0"/>
-              <a:t>8/13/2020</a:t>
+              <a:t>8/14/2020</a:t>
             </a:fld>
             <a:endParaRPr lang="en-US"/>
           </a:p>
@@ -515,7 +515,7 @@
           <a:p>
             <a:fld id="{5849EC3F-3491-4077-BC75-00FB4BA542B8}" type="datetimeFigureOut">
               <a:rPr lang="en-US" smtClean="0"/>
-              <a:t>8/13/2020</a:t>
+              <a:t>8/14/2020</a:t>
             </a:fld>
             <a:endParaRPr lang="en-US"/>
           </a:p>
@@ -723,7 +723,7 @@
           <a:p>
             <a:fld id="{5849EC3F-3491-4077-BC75-00FB4BA542B8}" type="datetimeFigureOut">
               <a:rPr lang="en-US" smtClean="0"/>
-              <a:t>8/13/2020</a:t>
+              <a:t>8/14/2020</a:t>
             </a:fld>
             <a:endParaRPr lang="en-US"/>
           </a:p>
@@ -921,7 +921,7 @@
           <a:p>
             <a:fld id="{5849EC3F-3491-4077-BC75-00FB4BA542B8}" type="datetimeFigureOut">
               <a:rPr lang="en-US" smtClean="0"/>
-              <a:t>8/13/2020</a:t>
+              <a:t>8/14/2020</a:t>
             </a:fld>
             <a:endParaRPr lang="en-US"/>
           </a:p>
@@ -1196,7 +1196,7 @@
           <a:p>
             <a:fld id="{5849EC3F-3491-4077-BC75-00FB4BA542B8}" type="datetimeFigureOut">
               <a:rPr lang="en-US" smtClean="0"/>
-              <a:t>8/13/2020</a:t>
+              <a:t>8/14/2020</a:t>
             </a:fld>
             <a:endParaRPr lang="en-US"/>
           </a:p>
@@ -1461,7 +1461,7 @@
           <a:p>
             <a:fld id="{5849EC3F-3491-4077-BC75-00FB4BA542B8}" type="datetimeFigureOut">
               <a:rPr lang="en-US" smtClean="0"/>
-              <a:t>8/13/2020</a:t>
+              <a:t>8/14/2020</a:t>
             </a:fld>
             <a:endParaRPr lang="en-US"/>
           </a:p>
@@ -1873,7 +1873,7 @@
           <a:p>
             <a:fld id="{5849EC3F-3491-4077-BC75-00FB4BA542B8}" type="datetimeFigureOut">
               <a:rPr lang="en-US" smtClean="0"/>
-              <a:t>8/13/2020</a:t>
+              <a:t>8/14/2020</a:t>
             </a:fld>
             <a:endParaRPr lang="en-US"/>
           </a:p>
@@ -2014,7 +2014,7 @@
           <a:p>
             <a:fld id="{5849EC3F-3491-4077-BC75-00FB4BA542B8}" type="datetimeFigureOut">
               <a:rPr lang="en-US" smtClean="0"/>
-              <a:t>8/13/2020</a:t>
+              <a:t>8/14/2020</a:t>
             </a:fld>
             <a:endParaRPr lang="en-US"/>
           </a:p>
@@ -2127,7 +2127,7 @@
           <a:p>
             <a:fld id="{5849EC3F-3491-4077-BC75-00FB4BA542B8}" type="datetimeFigureOut">
               <a:rPr lang="en-US" smtClean="0"/>
-              <a:t>8/13/2020</a:t>
+              <a:t>8/14/2020</a:t>
             </a:fld>
             <a:endParaRPr lang="en-US"/>
           </a:p>
@@ -2438,7 +2438,7 @@
           <a:p>
             <a:fld id="{5849EC3F-3491-4077-BC75-00FB4BA542B8}" type="datetimeFigureOut">
               <a:rPr lang="en-US" smtClean="0"/>
-              <a:t>8/13/2020</a:t>
+              <a:t>8/14/2020</a:t>
             </a:fld>
             <a:endParaRPr lang="en-US"/>
           </a:p>
@@ -2726,7 +2726,7 @@
           <a:p>
             <a:fld id="{5849EC3F-3491-4077-BC75-00FB4BA542B8}" type="datetimeFigureOut">
               <a:rPr lang="en-US" smtClean="0"/>
-              <a:t>8/13/2020</a:t>
+              <a:t>8/14/2020</a:t>
             </a:fld>
             <a:endParaRPr lang="en-US"/>
           </a:p>
@@ -2967,7 +2967,7 @@
           <a:p>
             <a:fld id="{5849EC3F-3491-4077-BC75-00FB4BA542B8}" type="datetimeFigureOut">
               <a:rPr lang="en-US" smtClean="0"/>
-              <a:t>8/13/2020</a:t>
+              <a:t>8/14/2020</a:t>
             </a:fld>
             <a:endParaRPr lang="en-US"/>
           </a:p>
@@ -32975,8 +32975,21 @@
                   <a:schemeClr val="accent1"/>
                 </a:solidFill>
               </a:rPr>
-              <a:t>More on solving recurrence relation</a:t>
+              <a:t>More on solving </a:t>
             </a:r>
+            <a:r>
+              <a:rPr lang="en-US">
+                <a:solidFill>
+                  <a:schemeClr val="accent1"/>
+                </a:solidFill>
+              </a:rPr>
+              <a:t>recurrence relations</a:t>
+            </a:r>
+            <a:endParaRPr lang="en-US" dirty="0">
+              <a:solidFill>
+                <a:schemeClr val="accent1"/>
+              </a:solidFill>
+            </a:endParaRPr>
           </a:p>
         </p:txBody>
       </p:sp>
@@ -34135,8 +34148,8 @@
           </a:p>
         </p:txBody>
       </p:sp>
-      <mc:AlternateContent xmlns:mc="http://schemas.openxmlformats.org/markup-compatibility/2006" xmlns:a14="http://schemas.microsoft.com/office/drawing/2010/main">
-        <mc:Choice Requires="a14">
+      <mc:AlternateContent xmlns:mc="http://schemas.openxmlformats.org/markup-compatibility/2006">
+        <mc:Choice xmlns:a14="http://schemas.microsoft.com/office/drawing/2010/main" Requires="a14">
           <p:sp>
             <p:nvSpPr>
               <p:cNvPr id="3" name="Content Placeholder 2">
@@ -34182,7 +34195,23 @@
                       <a:schemeClr val="accent1"/>
                     </a:solidFill>
                   </a:rPr>
-                  <a:t>  In order to get  climb all the steps of the ladder without falling,</a:t>
+                  <a:t>  In order </a:t>
+                </a:r>
+                <a:r>
+                  <a:rPr lang="en-US">
+                    <a:solidFill>
+                      <a:schemeClr val="accent1"/>
+                    </a:solidFill>
+                  </a:rPr>
+                  <a:t>to climb </a:t>
+                </a:r>
+                <a:r>
+                  <a:rPr lang="en-US" dirty="0">
+                    <a:solidFill>
+                      <a:schemeClr val="accent1"/>
+                    </a:solidFill>
+                  </a:rPr>
+                  <a:t>all the steps of the ladder without falling,</a:t>
                 </a:r>
               </a:p>
               <a:p>
@@ -34358,7 +34387,7 @@
             </p:txBody>
           </p:sp>
         </mc:Choice>
-        <mc:Fallback xmlns="">
+        <mc:Fallback>
           <p:sp>
             <p:nvSpPr>
               <p:cNvPr id="3" name="Content Placeholder 2">
